--- a/Lab_1/Cape Lab.pptx
+++ b/Lab_1/Cape Lab.pptx
@@ -259,7 +259,7 @@
           <a:p>
             <a:fld id="{7FF95820-84BB-3447-8286-60A51307E7F2}" type="datetimeFigureOut">
               <a:rPr lang="en-US" smtClean="0"/>
-              <a:t>1/11/2025</a:t>
+              <a:t>1/24/2025</a:t>
             </a:fld>
             <a:endParaRPr lang="en-US" dirty="0"/>
           </a:p>
@@ -437,7 +437,7 @@
           <a:p>
             <a:fld id="{FC08FC54-6AE4-6A4A-9756-823A0F1BE5A6}" type="datetimeFigureOut">
               <a:rPr lang="en-US" smtClean="0"/>
-              <a:t>1/11/2025</a:t>
+              <a:t>1/24/2025</a:t>
             </a:fld>
             <a:endParaRPr lang="en-US" dirty="0"/>
           </a:p>
@@ -27421,8 +27421,8 @@
           <a:chExt cx="0" cy="0"/>
         </a:xfrm>
       </p:grpSpPr>
-      <mc:AlternateContent xmlns:mc="http://schemas.openxmlformats.org/markup-compatibility/2006" xmlns:a14="http://schemas.microsoft.com/office/drawing/2010/main">
-        <mc:Choice Requires="a14">
+      <mc:AlternateContent xmlns:mc="http://schemas.openxmlformats.org/markup-compatibility/2006">
+        <mc:Choice xmlns:a14="http://schemas.microsoft.com/office/drawing/2010/main" Requires="a14">
           <p:graphicFrame>
             <p:nvGraphicFramePr>
               <p:cNvPr id="2" name="Table 1">
@@ -27438,7 +27438,7 @@
               <p:nvPr>
                 <p:extLst>
                   <p:ext uri="{D42A27DB-BD31-4B8C-83A1-F6EECF244321}">
-                    <p14:modId xmlns:p14="http://schemas.microsoft.com/office/powerpoint/2010/main" val="3615012401"/>
+                    <p14:modId xmlns:p14="http://schemas.microsoft.com/office/powerpoint/2010/main" val="1169345363"/>
                   </p:ext>
                 </p:extLst>
               </p:nvPr>
@@ -28096,11 +28096,101 @@
                               </m:oMathParaPr>
                               <m:oMath xmlns:m="http://schemas.openxmlformats.org/officeDocument/2006/math">
                                 <m:r>
-                                  <a:rPr lang="en-IN" b="0" i="1" smtClean="0">
+                                  <a:rPr lang="en-IN" b="0" i="1" baseline="0" smtClean="0">
                                     <a:latin typeface="Cambria Math" panose="02040503050406030204" pitchFamily="18" charset="0"/>
                                   </a:rPr>
-                                  <m:t>−</m:t>
+                                  <m:t>𝑓</m:t>
                                 </m:r>
+                                <m:d>
+                                  <m:dPr>
+                                    <m:ctrlPr>
+                                      <a:rPr lang="en-IN" b="0" i="1" baseline="0" smtClean="0">
+                                        <a:latin typeface="Cambria Math" panose="02040503050406030204" pitchFamily="18" charset="0"/>
+                                      </a:rPr>
+                                    </m:ctrlPr>
+                                  </m:dPr>
+                                  <m:e>
+                                    <m:sSub>
+                                      <m:sSubPr>
+                                        <m:ctrlPr>
+                                          <a:rPr lang="en-IN" b="0" i="1" baseline="0" smtClean="0">
+                                            <a:latin typeface="Cambria Math" panose="02040503050406030204" pitchFamily="18" charset="0"/>
+                                          </a:rPr>
+                                        </m:ctrlPr>
+                                      </m:sSubPr>
+                                      <m:e>
+                                        <m:r>
+                                          <a:rPr lang="en-IN" b="0" i="1" baseline="0" smtClean="0">
+                                            <a:latin typeface="Cambria Math" panose="02040503050406030204" pitchFamily="18" charset="0"/>
+                                          </a:rPr>
+                                          <m:t>𝑥</m:t>
+                                        </m:r>
+                                      </m:e>
+                                      <m:sub>
+                                        <m:r>
+                                          <a:rPr lang="en-IN" b="0" i="1" baseline="0" smtClean="0">
+                                            <a:latin typeface="Cambria Math" panose="02040503050406030204" pitchFamily="18" charset="0"/>
+                                          </a:rPr>
+                                          <m:t>𝑖</m:t>
+                                        </m:r>
+                                      </m:sub>
+                                    </m:sSub>
+                                  </m:e>
+                                </m:d>
+                                <m:r>
+                                  <a:rPr lang="en-IN" b="0" i="1" baseline="0" smtClean="0">
+                                    <a:latin typeface="Cambria Math" panose="02040503050406030204" pitchFamily="18" charset="0"/>
+                                  </a:rPr>
+                                  <m:t>, </m:t>
+                                </m:r>
+                                <m:r>
+                                  <a:rPr lang="en-IN" b="0" i="1" baseline="0" smtClean="0">
+                                    <a:latin typeface="Cambria Math" panose="02040503050406030204" pitchFamily="18" charset="0"/>
+                                  </a:rPr>
+                                  <m:t>𝑓</m:t>
+                                </m:r>
+                                <m:d>
+                                  <m:dPr>
+                                    <m:ctrlPr>
+                                      <a:rPr lang="en-IN" b="0" i="1" baseline="0" smtClean="0">
+                                        <a:latin typeface="Cambria Math" panose="02040503050406030204" pitchFamily="18" charset="0"/>
+                                      </a:rPr>
+                                    </m:ctrlPr>
+                                  </m:dPr>
+                                  <m:e>
+                                    <m:sSub>
+                                      <m:sSubPr>
+                                        <m:ctrlPr>
+                                          <a:rPr lang="en-IN" b="0" i="1" baseline="0" smtClean="0">
+                                            <a:latin typeface="Cambria Math" panose="02040503050406030204" pitchFamily="18" charset="0"/>
+                                          </a:rPr>
+                                        </m:ctrlPr>
+                                      </m:sSubPr>
+                                      <m:e>
+                                        <m:r>
+                                          <a:rPr lang="en-IN" b="0" i="1" baseline="0" smtClean="0">
+                                            <a:latin typeface="Cambria Math" panose="02040503050406030204" pitchFamily="18" charset="0"/>
+                                          </a:rPr>
+                                          <m:t>𝑥</m:t>
+                                        </m:r>
+                                      </m:e>
+                                      <m:sub>
+                                        <m:r>
+                                          <a:rPr lang="en-IN" b="0" i="1" baseline="0" smtClean="0">
+                                            <a:latin typeface="Cambria Math" panose="02040503050406030204" pitchFamily="18" charset="0"/>
+                                          </a:rPr>
+                                          <m:t>𝑖</m:t>
+                                        </m:r>
+                                        <m:r>
+                                          <a:rPr lang="en-IN" b="0" i="1" baseline="0" smtClean="0">
+                                            <a:latin typeface="Cambria Math" panose="02040503050406030204" pitchFamily="18" charset="0"/>
+                                          </a:rPr>
+                                          <m:t>+1</m:t>
+                                        </m:r>
+                                      </m:sub>
+                                    </m:sSub>
+                                  </m:e>
+                                </m:d>
                               </m:oMath>
                             </m:oMathPara>
                           </a14:m>
@@ -28164,7 +28254,7 @@
             </a:graphic>
           </p:graphicFrame>
         </mc:Choice>
-        <mc:Fallback xmlns="">
+        <mc:Fallback>
           <p:graphicFrame>
             <p:nvGraphicFramePr>
               <p:cNvPr id="2" name="Table 1">
@@ -28180,7 +28270,7 @@
               <p:nvPr>
                 <p:extLst>
                   <p:ext uri="{D42A27DB-BD31-4B8C-83A1-F6EECF244321}">
-                    <p14:modId xmlns:p14="http://schemas.microsoft.com/office/powerpoint/2010/main" val="3615012401"/>
+                    <p14:modId xmlns:p14="http://schemas.microsoft.com/office/powerpoint/2010/main" val="1169345363"/>
                   </p:ext>
                 </p:extLst>
               </p:nvPr>
@@ -39878,6 +39968,26 @@
 </file>
 
 <file path=customXml/item1.xml><?xml version="1.0" encoding="utf-8"?>
+<p:properties xmlns:p="http://schemas.microsoft.com/office/2006/metadata/properties" xmlns:xsi="http://www.w3.org/2001/XMLSchema-instance" xmlns:pc="http://schemas.microsoft.com/office/infopath/2007/PartnerControls">
+  <documentManagement>
+    <_ip_UnifiedCompliancePolicyUIAction xmlns="http://schemas.microsoft.com/sharepoint/v3" xsi:nil="true"/>
+    <Image xmlns="71af3243-3dd4-4a8d-8c0d-dd76da1f02a5">
+      <Url xsi:nil="true"/>
+      <Description xsi:nil="true"/>
+    </Image>
+    <Status xmlns="71af3243-3dd4-4a8d-8c0d-dd76da1f02a5">Not started</Status>
+    <Background xmlns="71af3243-3dd4-4a8d-8c0d-dd76da1f02a5">false</Background>
+    <_ip_UnifiedCompliancePolicyProperties xmlns="http://schemas.microsoft.com/sharepoint/v3" xsi:nil="true"/>
+    <ImageTagsTaxHTField xmlns="71af3243-3dd4-4a8d-8c0d-dd76da1f02a5">
+      <Terms xmlns="http://schemas.microsoft.com/office/infopath/2007/PartnerControls"/>
+    </ImageTagsTaxHTField>
+    <TaxCatchAll xmlns="230e9df3-be65-4c73-a93b-d1236ebd677e" xsi:nil="true"/>
+    <MediaServiceKeyPoints xmlns="71af3243-3dd4-4a8d-8c0d-dd76da1f02a5" xsi:nil="true"/>
+  </documentManagement>
+</p:properties>
+</file>
+
+<file path=customXml/item2.xml><?xml version="1.0" encoding="utf-8"?>
 <ct:contentTypeSchema xmlns:ct="http://schemas.microsoft.com/office/2006/metadata/contentType" xmlns:ma="http://schemas.microsoft.com/office/2006/metadata/properties/metaAttributes" ct:_="" ma:_="" ma:contentTypeName="Document" ma:contentTypeID="0x01010079F111ED35F8CC479449609E8A0923A6" ma:contentTypeVersion="28" ma:contentTypeDescription="Create a new document." ma:contentTypeScope="" ma:versionID="60f5a4f2d2b0abadcf532d48ebf9cb71">
   <xsd:schema xmlns:xsd="http://www.w3.org/2001/XMLSchema" xmlns:xs="http://www.w3.org/2001/XMLSchema" xmlns:p="http://schemas.microsoft.com/office/2006/metadata/properties" xmlns:ns1="http://schemas.microsoft.com/sharepoint/v3" xmlns:ns2="71af3243-3dd4-4a8d-8c0d-dd76da1f02a5" xmlns:ns3="16c05727-aa75-4e4a-9b5f-8a80a1165891" xmlns:ns4="230e9df3-be65-4c73-a93b-d1236ebd677e" targetNamespace="http://schemas.microsoft.com/office/2006/metadata/properties" ma:root="true" ma:fieldsID="7dd78129e6a1811f84807ad11c651531" ns1:_="" ns2:_="" ns3:_="" ns4:_="">
     <xsd:import namespace="http://schemas.microsoft.com/sharepoint/v3"/>
@@ -40189,26 +40299,6 @@
 </ct:contentTypeSchema>
 </file>
 
-<file path=customXml/item2.xml><?xml version="1.0" encoding="utf-8"?>
-<p:properties xmlns:p="http://schemas.microsoft.com/office/2006/metadata/properties" xmlns:xsi="http://www.w3.org/2001/XMLSchema-instance" xmlns:pc="http://schemas.microsoft.com/office/infopath/2007/PartnerControls">
-  <documentManagement>
-    <_ip_UnifiedCompliancePolicyUIAction xmlns="http://schemas.microsoft.com/sharepoint/v3" xsi:nil="true"/>
-    <Image xmlns="71af3243-3dd4-4a8d-8c0d-dd76da1f02a5">
-      <Url xsi:nil="true"/>
-      <Description xsi:nil="true"/>
-    </Image>
-    <Status xmlns="71af3243-3dd4-4a8d-8c0d-dd76da1f02a5">Not started</Status>
-    <Background xmlns="71af3243-3dd4-4a8d-8c0d-dd76da1f02a5">false</Background>
-    <_ip_UnifiedCompliancePolicyProperties xmlns="http://schemas.microsoft.com/sharepoint/v3" xsi:nil="true"/>
-    <ImageTagsTaxHTField xmlns="71af3243-3dd4-4a8d-8c0d-dd76da1f02a5">
-      <Terms xmlns="http://schemas.microsoft.com/office/infopath/2007/PartnerControls"/>
-    </ImageTagsTaxHTField>
-    <TaxCatchAll xmlns="230e9df3-be65-4c73-a93b-d1236ebd677e" xsi:nil="true"/>
-    <MediaServiceKeyPoints xmlns="71af3243-3dd4-4a8d-8c0d-dd76da1f02a5" xsi:nil="true"/>
-  </documentManagement>
-</p:properties>
-</file>
-
 <file path=customXml/item3.xml><?xml version="1.0" encoding="utf-8"?>
 <?mso-contentType ?>
 <FormTemplates xmlns="http://schemas.microsoft.com/sharepoint/v3/contenttype/forms">
@@ -40219,6 +40309,25 @@
 </file>
 
 <file path=customXml/itemProps1.xml><?xml version="1.0" encoding="utf-8"?>
+<ds:datastoreItem xmlns:ds="http://schemas.openxmlformats.org/officeDocument/2006/customXml" ds:itemID="{B881D8D6-8849-400B-8BC9-21D401C7DD06}">
+  <ds:schemaRefs>
+    <ds:schemaRef ds:uri="http://purl.org/dc/elements/1.1/"/>
+    <ds:schemaRef ds:uri="71af3243-3dd4-4a8d-8c0d-dd76da1f02a5"/>
+    <ds:schemaRef ds:uri="http://schemas.microsoft.com/office/2006/documentManagement/types"/>
+    <ds:schemaRef ds:uri="http://schemas.microsoft.com/office/2006/metadata/properties"/>
+    <ds:schemaRef ds:uri="http://schemas.microsoft.com/office/infopath/2007/PartnerControls"/>
+    <ds:schemaRef ds:uri="16c05727-aa75-4e4a-9b5f-8a80a1165891"/>
+    <ds:schemaRef ds:uri="http://schemas.openxmlformats.org/package/2006/metadata/core-properties"/>
+    <ds:schemaRef ds:uri="http://purl.org/dc/dcmitype/"/>
+    <ds:schemaRef ds:uri="230e9df3-be65-4c73-a93b-d1236ebd677e"/>
+    <ds:schemaRef ds:uri="http://schemas.microsoft.com/sharepoint/v3"/>
+    <ds:schemaRef ds:uri="http://www.w3.org/XML/1998/namespace"/>
+    <ds:schemaRef ds:uri="http://purl.org/dc/terms/"/>
+  </ds:schemaRefs>
+</ds:datastoreItem>
+</file>
+
+<file path=customXml/itemProps2.xml><?xml version="1.0" encoding="utf-8"?>
 <ds:datastoreItem xmlns:ds="http://schemas.openxmlformats.org/officeDocument/2006/customXml" ds:itemID="{C9A734A7-6096-47AA-9737-CDF62701A00D}">
   <ds:schemaRefs>
     <ds:schemaRef ds:uri="http://schemas.microsoft.com/office/2006/metadata/contentType"/>
@@ -40239,25 +40348,6 @@
 </ds:datastoreItem>
 </file>
 
-<file path=customXml/itemProps2.xml><?xml version="1.0" encoding="utf-8"?>
-<ds:datastoreItem xmlns:ds="http://schemas.openxmlformats.org/officeDocument/2006/customXml" ds:itemID="{B881D8D6-8849-400B-8BC9-21D401C7DD06}">
-  <ds:schemaRefs>
-    <ds:schemaRef ds:uri="http://purl.org/dc/elements/1.1/"/>
-    <ds:schemaRef ds:uri="71af3243-3dd4-4a8d-8c0d-dd76da1f02a5"/>
-    <ds:schemaRef ds:uri="http://schemas.microsoft.com/office/2006/documentManagement/types"/>
-    <ds:schemaRef ds:uri="http://schemas.microsoft.com/office/2006/metadata/properties"/>
-    <ds:schemaRef ds:uri="http://schemas.microsoft.com/office/infopath/2007/PartnerControls"/>
-    <ds:schemaRef ds:uri="16c05727-aa75-4e4a-9b5f-8a80a1165891"/>
-    <ds:schemaRef ds:uri="http://schemas.openxmlformats.org/package/2006/metadata/core-properties"/>
-    <ds:schemaRef ds:uri="http://purl.org/dc/dcmitype/"/>
-    <ds:schemaRef ds:uri="230e9df3-be65-4c73-a93b-d1236ebd677e"/>
-    <ds:schemaRef ds:uri="http://schemas.microsoft.com/sharepoint/v3"/>
-    <ds:schemaRef ds:uri="http://www.w3.org/XML/1998/namespace"/>
-    <ds:schemaRef ds:uri="http://purl.org/dc/terms/"/>
-  </ds:schemaRefs>
-</ds:datastoreItem>
-</file>
-
 <file path=customXml/itemProps3.xml><?xml version="1.0" encoding="utf-8"?>
 <ds:datastoreItem xmlns:ds="http://schemas.openxmlformats.org/officeDocument/2006/customXml" ds:itemID="{DF8397A0-8C35-4EEE-8E61-47C914415B57}">
   <ds:schemaRefs>
